--- a/PPTs/ZDELETED.pptx
+++ b/PPTs/ZDELETED.pptx
@@ -5,7 +5,7 @@
     <p:sldMasterId id="2147483660" r:id="rId1"/>
   </p:sldMasterIdLst>
   <p:notesMasterIdLst>
-    <p:notesMasterId r:id="rId10"/>
+    <p:notesMasterId r:id="rId11"/>
   </p:notesMasterIdLst>
   <p:sldIdLst>
     <p:sldId id="256" r:id="rId2"/>
@@ -16,6 +16,7 @@
     <p:sldId id="323" r:id="rId7"/>
     <p:sldId id="325" r:id="rId8"/>
     <p:sldId id="324" r:id="rId9"/>
+    <p:sldId id="525" r:id="rId10"/>
   </p:sldIdLst>
   <p:sldSz cx="9144000" cy="6858000" type="screen4x3"/>
   <p:notesSz cx="6858000" cy="9144000"/>
@@ -136,7 +137,7 @@
 <file path=ppt/revisionInfo.xml><?xml version="1.0" encoding="utf-8"?>
 <p1510:revInfo xmlns:a="http://schemas.openxmlformats.org/drawingml/2006/main" xmlns:r="http://schemas.openxmlformats.org/officeDocument/2006/relationships" xmlns:p1510="http://schemas.microsoft.com/office/powerpoint/2015/10/main">
   <p1510:revLst>
-    <p1510:client id="{74B15ED0-6DB4-4108-82C9-64F0E8E52BFB}" v="4" dt="2025-09-18T02:55:09.669"/>
+    <p1510:client id="{74B15ED0-6DB4-4108-82C9-64F0E8E52BFB}" v="5" dt="2025-09-18T21:31:24.475"/>
   </p1510:revLst>
 </p1510:revInfo>
 </file>
@@ -146,7 +147,7 @@
   <pc:docChgLst>
     <pc:chgData name="Zonghua Gu" userId="9a7e1853e1951ef5" providerId="LiveId" clId="{CF1FAA12-072C-4ED5-BA76-0FFFAEFDB88A}"/>
     <pc:docChg chg="custSel addSld delSld modSld">
-      <pc:chgData name="Zonghua Gu" userId="9a7e1853e1951ef5" providerId="LiveId" clId="{CF1FAA12-072C-4ED5-BA76-0FFFAEFDB88A}" dt="2025-09-18T02:55:09.669" v="16"/>
+      <pc:chgData name="Zonghua Gu" userId="9a7e1853e1951ef5" providerId="LiveId" clId="{CF1FAA12-072C-4ED5-BA76-0FFFAEFDB88A}" dt="2025-09-18T21:31:24.471" v="17"/>
       <pc:docMkLst>
         <pc:docMk/>
       </pc:docMkLst>
@@ -503,6 +504,13 @@
           <pc:sldMk cId="2700446461" sldId="475"/>
         </pc:sldMkLst>
       </pc:sldChg>
+      <pc:sldChg chg="add">
+        <pc:chgData name="Zonghua Gu" userId="9a7e1853e1951ef5" providerId="LiveId" clId="{CF1FAA12-072C-4ED5-BA76-0FFFAEFDB88A}" dt="2025-09-18T21:31:24.471" v="17"/>
+        <pc:sldMkLst>
+          <pc:docMk/>
+          <pc:sldMk cId="3686948551" sldId="525"/>
+        </pc:sldMkLst>
+      </pc:sldChg>
     </pc:docChg>
   </pc:docChgLst>
 </pc:chgInfo>
@@ -591,7 +599,7 @@
             <a:fld id="{3AC3A17A-95E8-4381-B66B-5D6DE2B3048A}" type="datetimeFigureOut">
               <a:rPr lang="en-US" smtClean="0"/>
               <a:pPr/>
-              <a:t>9/17/2025</a:t>
+              <a:t>9/18/2025</a:t>
             </a:fld>
             <a:endParaRPr lang="en-US"/>
           </a:p>
@@ -1002,7 +1010,7 @@
             <a:fld id="{966FEA0E-C2DF-4252-97AD-54F2B7E07EAC}" type="datetime1">
               <a:rPr lang="en-US" smtClean="0"/>
               <a:pPr eaLnBrk="1" latinLnBrk="0" hangingPunct="1"/>
-              <a:t>9/17/2025</a:t>
+              <a:t>9/18/2025</a:t>
             </a:fld>
             <a:endParaRPr lang="en-US" sz="1600" dirty="0"/>
           </a:p>
@@ -1363,7 +1371,7 @@
             <a:fld id="{69EF9524-0CAA-4F98-BAC2-CE6B712F5E94}" type="datetime1">
               <a:rPr lang="en-US" smtClean="0"/>
               <a:pPr eaLnBrk="1" latinLnBrk="0" hangingPunct="1"/>
-              <a:t>9/17/2025</a:t>
+              <a:t>9/18/2025</a:t>
             </a:fld>
             <a:endParaRPr lang="en-US"/>
           </a:p>
@@ -1540,7 +1548,7 @@
             <a:fld id="{CB20516D-6F89-4C89-8307-32A716E22875}" type="datetime1">
               <a:rPr lang="en-US" smtClean="0"/>
               <a:pPr eaLnBrk="1" latinLnBrk="0" hangingPunct="1"/>
-              <a:t>9/17/2025</a:t>
+              <a:t>9/18/2025</a:t>
             </a:fld>
             <a:endParaRPr lang="en-US"/>
           </a:p>
@@ -1777,7 +1785,7 @@
             <a:fld id="{0CD88620-7329-4FC3-B65D-4EA691138F1B}" type="datetime1">
               <a:rPr lang="en-US" smtClean="0"/>
               <a:pPr eaLnBrk="1" latinLnBrk="0" hangingPunct="1"/>
-              <a:t>9/17/2025</a:t>
+              <a:t>9/18/2025</a:t>
             </a:fld>
             <a:endParaRPr lang="en-US" dirty="0"/>
           </a:p>
@@ -2048,7 +2056,7 @@
             <a:fld id="{0E46F3A1-5653-427D-9F78-56077401431A}" type="datetime1">
               <a:rPr lang="en-US" smtClean="0"/>
               <a:pPr eaLnBrk="1" latinLnBrk="0" hangingPunct="1"/>
-              <a:t>9/17/2025</a:t>
+              <a:t>9/18/2025</a:t>
             </a:fld>
             <a:endParaRPr lang="en-US" dirty="0"/>
           </a:p>
@@ -2270,7 +2278,7 @@
             <a:fld id="{CB67FC03-415A-45F0-B002-DF181377F7DC}" type="datetime1">
               <a:rPr lang="en-US" smtClean="0"/>
               <a:pPr eaLnBrk="1" latinLnBrk="0" hangingPunct="1"/>
-              <a:t>9/17/2025</a:t>
+              <a:t>9/18/2025</a:t>
             </a:fld>
             <a:endParaRPr lang="en-US"/>
           </a:p>
@@ -2624,7 +2632,7 @@
             <a:fld id="{1B6FC726-A0B4-4FC7-90F5-F17415A5C1A3}" type="datetime1">
               <a:rPr lang="en-US" smtClean="0"/>
               <a:pPr eaLnBrk="1" latinLnBrk="0" hangingPunct="1"/>
-              <a:t>9/17/2025</a:t>
+              <a:t>9/18/2025</a:t>
             </a:fld>
             <a:endParaRPr lang="en-US"/>
           </a:p>
@@ -2858,7 +2866,7 @@
             <a:fld id="{BE217211-C3F9-4892-9CC3-C7105638567D}" type="datetime1">
               <a:rPr lang="en-US" smtClean="0"/>
               <a:pPr eaLnBrk="1" latinLnBrk="0" hangingPunct="1"/>
-              <a:t>9/17/2025</a:t>
+              <a:t>9/18/2025</a:t>
             </a:fld>
             <a:endParaRPr lang="en-US"/>
           </a:p>
@@ -3001,7 +3009,7 @@
             <a:fld id="{BA713E6A-6B26-4373-A75B-EF395DC64F9E}" type="datetime1">
               <a:rPr lang="en-US" smtClean="0"/>
               <a:pPr eaLnBrk="1" latinLnBrk="0" hangingPunct="1"/>
-              <a:t>9/17/2025</a:t>
+              <a:t>9/18/2025</a:t>
             </a:fld>
             <a:endParaRPr lang="en-US"/>
           </a:p>
@@ -3280,7 +3288,7 @@
             <a:fld id="{57EB41EF-4260-415A-8DD6-FEDCC46E7EFC}" type="datetime1">
               <a:rPr lang="en-US" smtClean="0"/>
               <a:pPr eaLnBrk="1" latinLnBrk="0" hangingPunct="1"/>
-              <a:t>9/17/2025</a:t>
+              <a:t>9/18/2025</a:t>
             </a:fld>
             <a:endParaRPr lang="en-US"/>
           </a:p>
@@ -3689,7 +3697,7 @@
             <a:fld id="{6BDA80A0-06CC-4492-94A0-E8516751045E}" type="datetime1">
               <a:rPr lang="en-US" smtClean="0"/>
               <a:pPr eaLnBrk="1" latinLnBrk="0" hangingPunct="1"/>
-              <a:t>9/17/2025</a:t>
+              <a:t>9/18/2025</a:t>
             </a:fld>
             <a:endParaRPr lang="en-US"/>
           </a:p>
@@ -4028,7 +4036,7 @@
             <a:fld id="{A25B5B4B-57EE-495D-8E74-A657CFD8BB6C}" type="datetime1">
               <a:rPr lang="en-US" smtClean="0"/>
               <a:pPr eaLnBrk="1" latinLnBrk="0" hangingPunct="1"/>
-              <a:t>9/17/2025</a:t>
+              <a:t>9/18/2025</a:t>
             </a:fld>
             <a:endParaRPr lang="en-US" sz="1400" dirty="0">
               <a:solidFill>
@@ -15957,6 +15965,218 @@
 </p:sld>
 </file>
 
+<file path=ppt/slides/slide9.xml><?xml version="1.0" encoding="utf-8"?>
+<p:sld xmlns:a="http://schemas.openxmlformats.org/drawingml/2006/main" xmlns:r="http://schemas.openxmlformats.org/officeDocument/2006/relationships" xmlns:p="http://schemas.openxmlformats.org/presentationml/2006/main">
+  <p:cSld>
+    <p:spTree>
+      <p:nvGrpSpPr>
+        <p:cNvPr id="1" name=""/>
+        <p:cNvGrpSpPr/>
+        <p:nvPr/>
+      </p:nvGrpSpPr>
+      <p:grpSpPr>
+        <a:xfrm>
+          <a:off x="0" y="0"/>
+          <a:ext cx="0" cy="0"/>
+          <a:chOff x="0" y="0"/>
+          <a:chExt cx="0" cy="0"/>
+        </a:xfrm>
+      </p:grpSpPr>
+      <p:sp>
+        <p:nvSpPr>
+          <p:cNvPr id="2" name="Title 1"/>
+          <p:cNvSpPr>
+            <a:spLocks noGrp="1"/>
+          </p:cNvSpPr>
+          <p:nvPr>
+            <p:ph type="title"/>
+          </p:nvPr>
+        </p:nvSpPr>
+        <p:spPr/>
+        <p:txBody>
+          <a:bodyPr/>
+          <a:lstStyle/>
+          <a:p>
+            <a:r>
+              <a:rPr lang="en-US" b="1" dirty="0">
+                <a:latin typeface="Consolas" panose="020B0609020204030204" pitchFamily="49" charset="0"/>
+              </a:rPr>
+              <a:t>ADR</a:t>
+            </a:r>
+            <a:r>
+              <a:rPr lang="en-US" dirty="0"/>
+              <a:t> Pseudo-instruction</a:t>
+            </a:r>
+          </a:p>
+        </p:txBody>
+      </p:sp>
+      <p:sp>
+        <p:nvSpPr>
+          <p:cNvPr id="3" name="Slide Number Placeholder 2"/>
+          <p:cNvSpPr>
+            <a:spLocks noGrp="1"/>
+          </p:cNvSpPr>
+          <p:nvPr>
+            <p:ph type="sldNum" sz="quarter" idx="12"/>
+          </p:nvPr>
+        </p:nvSpPr>
+        <p:spPr/>
+        <p:txBody>
+          <a:bodyPr/>
+          <a:lstStyle/>
+          <a:p>
+            <a:fld id="{EA7C8D44-3667-46F6-9772-CC52308E2A7F}" type="slidenum">
+              <a:rPr kumimoji="0" lang="en-US" smtClean="0"/>
+              <a:pPr/>
+              <a:t>9</a:t>
+            </a:fld>
+            <a:endParaRPr kumimoji="0" lang="en-US" dirty="0"/>
+          </a:p>
+        </p:txBody>
+      </p:sp>
+      <p:sp>
+        <p:nvSpPr>
+          <p:cNvPr id="4" name="Content Placeholder 3"/>
+          <p:cNvSpPr>
+            <a:spLocks noGrp="1"/>
+          </p:cNvSpPr>
+          <p:nvPr>
+            <p:ph sz="quarter" idx="1"/>
+          </p:nvPr>
+        </p:nvSpPr>
+        <p:spPr/>
+        <p:txBody>
+          <a:bodyPr/>
+          <a:lstStyle/>
+          <a:p>
+            <a:r>
+              <a:rPr lang="en-US" b="1" dirty="0">
+                <a:latin typeface="Consolas" panose="020B0609020204030204" pitchFamily="49" charset="0"/>
+              </a:rPr>
+              <a:t>ADR</a:t>
+            </a:r>
+            <a:r>
+              <a:rPr lang="en-US" dirty="0"/>
+              <a:t>: loads a program-relative or register-relative address into a register</a:t>
+            </a:r>
+          </a:p>
+        </p:txBody>
+      </p:sp>
+      <p:sp>
+        <p:nvSpPr>
+          <p:cNvPr id="5" name="Rectangle 4"/>
+          <p:cNvSpPr/>
+          <p:nvPr/>
+        </p:nvSpPr>
+        <p:spPr>
+          <a:xfrm>
+            <a:off x="1524000" y="3124200"/>
+            <a:ext cx="5715000" cy="738664"/>
+          </a:xfrm>
+          <a:prstGeom prst="rect">
+            <a:avLst/>
+          </a:prstGeom>
+        </p:spPr>
+        <p:style>
+          <a:lnRef idx="2">
+            <a:schemeClr val="accent1"/>
+          </a:lnRef>
+          <a:fillRef idx="1">
+            <a:schemeClr val="lt1"/>
+          </a:fillRef>
+          <a:effectRef idx="0">
+            <a:schemeClr val="accent1"/>
+          </a:effectRef>
+          <a:fontRef idx="minor">
+            <a:schemeClr val="dk1"/>
+          </a:fontRef>
+        </p:style>
+        <p:txBody>
+          <a:bodyPr wrap="square">
+            <a:spAutoFit/>
+          </a:bodyPr>
+          <a:lstStyle/>
+          <a:p>
+            <a:r>
+              <a:rPr lang="en-US" dirty="0">
+                <a:latin typeface="Consolas" panose="020B0609020204030204" pitchFamily="49" charset="0"/>
+              </a:rPr>
+              <a:t>start  MOV r0,#10      </a:t>
+            </a:r>
+            <a:r>
+              <a:rPr lang="en-US" dirty="0">
+                <a:solidFill>
+                  <a:schemeClr val="bg1">
+                    <a:lumMod val="50000"/>
+                  </a:schemeClr>
+                </a:solidFill>
+                <a:latin typeface="Consolas" panose="020B0609020204030204" pitchFamily="49" charset="0"/>
+              </a:rPr>
+              <a:t>; 32-bit instruction</a:t>
+            </a:r>
+          </a:p>
+          <a:p>
+            <a:r>
+              <a:rPr lang="en-US" dirty="0">
+                <a:latin typeface="Consolas" panose="020B0609020204030204" pitchFamily="49" charset="0"/>
+              </a:rPr>
+              <a:t>       ADR r4,start    </a:t>
+            </a:r>
+            <a:r>
+              <a:rPr lang="en-US" dirty="0">
+                <a:solidFill>
+                  <a:schemeClr val="bg1">
+                    <a:lumMod val="50000"/>
+                  </a:schemeClr>
+                </a:solidFill>
+                <a:latin typeface="Consolas" panose="020B0609020204030204" pitchFamily="49" charset="0"/>
+              </a:rPr>
+              <a:t>; 32-bit instruction</a:t>
+            </a:r>
+          </a:p>
+          <a:p>
+            <a:r>
+              <a:rPr lang="en-US" dirty="0">
+                <a:latin typeface="Consolas" panose="020B0609020204030204" pitchFamily="49" charset="0"/>
+              </a:rPr>
+              <a:t>                       </a:t>
+            </a:r>
+            <a:r>
+              <a:rPr lang="en-US" dirty="0">
+                <a:solidFill>
+                  <a:schemeClr val="bg1">
+                    <a:lumMod val="50000"/>
+                  </a:schemeClr>
+                </a:solidFill>
+                <a:latin typeface="Consolas" panose="020B0609020204030204" pitchFamily="49" charset="0"/>
+              </a:rPr>
+              <a:t>; =&gt; </a:t>
+            </a:r>
+            <a:r>
+              <a:rPr lang="en-US" dirty="0">
+                <a:solidFill>
+                  <a:srgbClr val="0041FF"/>
+                </a:solidFill>
+                <a:latin typeface="Consolas" panose="020B0609020204030204" pitchFamily="49" charset="0"/>
+              </a:rPr>
+              <a:t>SUB r4,pc,#0xc</a:t>
+            </a:r>
+          </a:p>
+        </p:txBody>
+      </p:sp>
+    </p:spTree>
+    <p:extLst>
+      <p:ext uri="{BB962C8B-B14F-4D97-AF65-F5344CB8AC3E}">
+        <p14:creationId xmlns:p14="http://schemas.microsoft.com/office/powerpoint/2010/main" val="3686948551"/>
+      </p:ext>
+    </p:extLst>
+  </p:cSld>
+  <p:clrMapOvr>
+    <a:masterClrMapping/>
+  </p:clrMapOvr>
+</p:sld>
+</file>
+
 <file path=ppt/theme/theme1.xml><?xml version="1.0" encoding="utf-8"?>
 <a:theme xmlns:a="http://schemas.openxmlformats.org/drawingml/2006/main" name="Origin">
   <a:themeElements>

--- a/PPTs/ZDELETED.pptx
+++ b/PPTs/ZDELETED.pptx
@@ -5,7 +5,7 @@
     <p:sldMasterId id="2147483660" r:id="rId1"/>
   </p:sldMasterIdLst>
   <p:notesMasterIdLst>
-    <p:notesMasterId r:id="rId11"/>
+    <p:notesMasterId r:id="rId15"/>
   </p:notesMasterIdLst>
   <p:sldIdLst>
     <p:sldId id="256" r:id="rId2"/>
@@ -17,6 +17,10 @@
     <p:sldId id="325" r:id="rId8"/>
     <p:sldId id="324" r:id="rId9"/>
     <p:sldId id="525" r:id="rId10"/>
+    <p:sldId id="261" r:id="rId11"/>
+    <p:sldId id="264" r:id="rId12"/>
+    <p:sldId id="262" r:id="rId13"/>
+    <p:sldId id="265" r:id="rId14"/>
   </p:sldIdLst>
   <p:sldSz cx="9144000" cy="6858000" type="screen4x3"/>
   <p:notesSz cx="6858000" cy="9144000"/>
@@ -137,7 +141,7 @@
 <file path=ppt/revisionInfo.xml><?xml version="1.0" encoding="utf-8"?>
 <p1510:revInfo xmlns:a="http://schemas.openxmlformats.org/drawingml/2006/main" xmlns:r="http://schemas.openxmlformats.org/officeDocument/2006/relationships" xmlns:p1510="http://schemas.microsoft.com/office/powerpoint/2015/10/main">
   <p1510:revLst>
-    <p1510:client id="{74B15ED0-6DB4-4108-82C9-64F0E8E52BFB}" v="5" dt="2025-09-18T21:31:24.475"/>
+    <p1510:client id="{74B15ED0-6DB4-4108-82C9-64F0E8E52BFB}" v="6" dt="2025-09-21T23:03:14.612"/>
   </p1510:revLst>
 </p1510:revInfo>
 </file>
@@ -147,7 +151,7 @@
   <pc:docChgLst>
     <pc:chgData name="Zonghua Gu" userId="9a7e1853e1951ef5" providerId="LiveId" clId="{CF1FAA12-072C-4ED5-BA76-0FFFAEFDB88A}"/>
     <pc:docChg chg="custSel addSld delSld modSld">
-      <pc:chgData name="Zonghua Gu" userId="9a7e1853e1951ef5" providerId="LiveId" clId="{CF1FAA12-072C-4ED5-BA76-0FFFAEFDB88A}" dt="2025-09-18T21:31:24.471" v="17"/>
+      <pc:chgData name="Zonghua Gu" userId="9a7e1853e1951ef5" providerId="LiveId" clId="{CF1FAA12-072C-4ED5-BA76-0FFFAEFDB88A}" dt="2025-09-21T23:03:14.599" v="18"/>
       <pc:docMkLst>
         <pc:docMk/>
       </pc:docMkLst>
@@ -181,6 +185,34 @@
             <ac:spMk id="7" creationId="{04F69590-944C-2F0D-5FE5-A89C06E0D2BF}"/>
           </ac:spMkLst>
         </pc:spChg>
+      </pc:sldChg>
+      <pc:sldChg chg="add">
+        <pc:chgData name="Zonghua Gu" userId="9a7e1853e1951ef5" providerId="LiveId" clId="{CF1FAA12-072C-4ED5-BA76-0FFFAEFDB88A}" dt="2025-09-21T23:03:14.599" v="18"/>
+        <pc:sldMkLst>
+          <pc:docMk/>
+          <pc:sldMk cId="2714306100" sldId="261"/>
+        </pc:sldMkLst>
+      </pc:sldChg>
+      <pc:sldChg chg="add">
+        <pc:chgData name="Zonghua Gu" userId="9a7e1853e1951ef5" providerId="LiveId" clId="{CF1FAA12-072C-4ED5-BA76-0FFFAEFDB88A}" dt="2025-09-21T23:03:14.599" v="18"/>
+        <pc:sldMkLst>
+          <pc:docMk/>
+          <pc:sldMk cId="99910597" sldId="262"/>
+        </pc:sldMkLst>
+      </pc:sldChg>
+      <pc:sldChg chg="add">
+        <pc:chgData name="Zonghua Gu" userId="9a7e1853e1951ef5" providerId="LiveId" clId="{CF1FAA12-072C-4ED5-BA76-0FFFAEFDB88A}" dt="2025-09-21T23:03:14.599" v="18"/>
+        <pc:sldMkLst>
+          <pc:docMk/>
+          <pc:sldMk cId="1508398580" sldId="264"/>
+        </pc:sldMkLst>
+      </pc:sldChg>
+      <pc:sldChg chg="add">
+        <pc:chgData name="Zonghua Gu" userId="9a7e1853e1951ef5" providerId="LiveId" clId="{CF1FAA12-072C-4ED5-BA76-0FFFAEFDB88A}" dt="2025-09-21T23:03:14.599" v="18"/>
+        <pc:sldMkLst>
+          <pc:docMk/>
+          <pc:sldMk cId="712390701" sldId="265"/>
+        </pc:sldMkLst>
       </pc:sldChg>
       <pc:sldChg chg="del">
         <pc:chgData name="Zonghua Gu" userId="9a7e1853e1951ef5" providerId="LiveId" clId="{CF1FAA12-072C-4ED5-BA76-0FFFAEFDB88A}" dt="2025-09-18T02:54:06.006" v="9" actId="47"/>
@@ -599,7 +631,7 @@
             <a:fld id="{3AC3A17A-95E8-4381-B66B-5D6DE2B3048A}" type="datetimeFigureOut">
               <a:rPr lang="en-US" smtClean="0"/>
               <a:pPr/>
-              <a:t>9/18/2025</a:t>
+              <a:t>9/21/2025</a:t>
             </a:fld>
             <a:endParaRPr lang="en-US"/>
           </a:p>
@@ -1010,7 +1042,7 @@
             <a:fld id="{966FEA0E-C2DF-4252-97AD-54F2B7E07EAC}" type="datetime1">
               <a:rPr lang="en-US" smtClean="0"/>
               <a:pPr eaLnBrk="1" latinLnBrk="0" hangingPunct="1"/>
-              <a:t>9/18/2025</a:t>
+              <a:t>9/21/2025</a:t>
             </a:fld>
             <a:endParaRPr lang="en-US" sz="1600" dirty="0"/>
           </a:p>
@@ -1371,7 +1403,7 @@
             <a:fld id="{69EF9524-0CAA-4F98-BAC2-CE6B712F5E94}" type="datetime1">
               <a:rPr lang="en-US" smtClean="0"/>
               <a:pPr eaLnBrk="1" latinLnBrk="0" hangingPunct="1"/>
-              <a:t>9/18/2025</a:t>
+              <a:t>9/21/2025</a:t>
             </a:fld>
             <a:endParaRPr lang="en-US"/>
           </a:p>
@@ -1548,7 +1580,7 @@
             <a:fld id="{CB20516D-6F89-4C89-8307-32A716E22875}" type="datetime1">
               <a:rPr lang="en-US" smtClean="0"/>
               <a:pPr eaLnBrk="1" latinLnBrk="0" hangingPunct="1"/>
-              <a:t>9/18/2025</a:t>
+              <a:t>9/21/2025</a:t>
             </a:fld>
             <a:endParaRPr lang="en-US"/>
           </a:p>
@@ -1785,7 +1817,7 @@
             <a:fld id="{0CD88620-7329-4FC3-B65D-4EA691138F1B}" type="datetime1">
               <a:rPr lang="en-US" smtClean="0"/>
               <a:pPr eaLnBrk="1" latinLnBrk="0" hangingPunct="1"/>
-              <a:t>9/18/2025</a:t>
+              <a:t>9/21/2025</a:t>
             </a:fld>
             <a:endParaRPr lang="en-US" dirty="0"/>
           </a:p>
@@ -2056,7 +2088,7 @@
             <a:fld id="{0E46F3A1-5653-427D-9F78-56077401431A}" type="datetime1">
               <a:rPr lang="en-US" smtClean="0"/>
               <a:pPr eaLnBrk="1" latinLnBrk="0" hangingPunct="1"/>
-              <a:t>9/18/2025</a:t>
+              <a:t>9/21/2025</a:t>
             </a:fld>
             <a:endParaRPr lang="en-US" dirty="0"/>
           </a:p>
@@ -2278,7 +2310,7 @@
             <a:fld id="{CB67FC03-415A-45F0-B002-DF181377F7DC}" type="datetime1">
               <a:rPr lang="en-US" smtClean="0"/>
               <a:pPr eaLnBrk="1" latinLnBrk="0" hangingPunct="1"/>
-              <a:t>9/18/2025</a:t>
+              <a:t>9/21/2025</a:t>
             </a:fld>
             <a:endParaRPr lang="en-US"/>
           </a:p>
@@ -2632,7 +2664,7 @@
             <a:fld id="{1B6FC726-A0B4-4FC7-90F5-F17415A5C1A3}" type="datetime1">
               <a:rPr lang="en-US" smtClean="0"/>
               <a:pPr eaLnBrk="1" latinLnBrk="0" hangingPunct="1"/>
-              <a:t>9/18/2025</a:t>
+              <a:t>9/21/2025</a:t>
             </a:fld>
             <a:endParaRPr lang="en-US"/>
           </a:p>
@@ -2866,7 +2898,7 @@
             <a:fld id="{BE217211-C3F9-4892-9CC3-C7105638567D}" type="datetime1">
               <a:rPr lang="en-US" smtClean="0"/>
               <a:pPr eaLnBrk="1" latinLnBrk="0" hangingPunct="1"/>
-              <a:t>9/18/2025</a:t>
+              <a:t>9/21/2025</a:t>
             </a:fld>
             <a:endParaRPr lang="en-US"/>
           </a:p>
@@ -3009,7 +3041,7 @@
             <a:fld id="{BA713E6A-6B26-4373-A75B-EF395DC64F9E}" type="datetime1">
               <a:rPr lang="en-US" smtClean="0"/>
               <a:pPr eaLnBrk="1" latinLnBrk="0" hangingPunct="1"/>
-              <a:t>9/18/2025</a:t>
+              <a:t>9/21/2025</a:t>
             </a:fld>
             <a:endParaRPr lang="en-US"/>
           </a:p>
@@ -3288,7 +3320,7 @@
             <a:fld id="{57EB41EF-4260-415A-8DD6-FEDCC46E7EFC}" type="datetime1">
               <a:rPr lang="en-US" smtClean="0"/>
               <a:pPr eaLnBrk="1" latinLnBrk="0" hangingPunct="1"/>
-              <a:t>9/18/2025</a:t>
+              <a:t>9/21/2025</a:t>
             </a:fld>
             <a:endParaRPr lang="en-US"/>
           </a:p>
@@ -3697,7 +3729,7 @@
             <a:fld id="{6BDA80A0-06CC-4492-94A0-E8516751045E}" type="datetime1">
               <a:rPr lang="en-US" smtClean="0"/>
               <a:pPr eaLnBrk="1" latinLnBrk="0" hangingPunct="1"/>
-              <a:t>9/18/2025</a:t>
+              <a:t>9/21/2025</a:t>
             </a:fld>
             <a:endParaRPr lang="en-US"/>
           </a:p>
@@ -4036,7 +4068,7 @@
             <a:fld id="{A25B5B4B-57EE-495D-8E74-A657CFD8BB6C}" type="datetime1">
               <a:rPr lang="en-US" smtClean="0"/>
               <a:pPr eaLnBrk="1" latinLnBrk="0" hangingPunct="1"/>
-              <a:t>9/18/2025</a:t>
+              <a:t>9/21/2025</a:t>
             </a:fld>
             <a:endParaRPr lang="en-US" sz="1400" dirty="0">
               <a:solidFill>
@@ -4813,6 +4845,524 @@
     <p:extLst>
       <p:ext uri="{BB962C8B-B14F-4D97-AF65-F5344CB8AC3E}">
         <p14:creationId xmlns:p14="http://schemas.microsoft.com/office/powerpoint/2010/main" val="1227639730"/>
+      </p:ext>
+    </p:extLst>
+  </p:cSld>
+  <p:clrMapOvr>
+    <a:masterClrMapping/>
+  </p:clrMapOvr>
+</p:sld>
+</file>
+
+<file path=ppt/slides/slide10.xml><?xml version="1.0" encoding="utf-8"?>
+<p:sld xmlns:a="http://schemas.openxmlformats.org/drawingml/2006/main" xmlns:r="http://schemas.openxmlformats.org/officeDocument/2006/relationships" xmlns:p="http://schemas.openxmlformats.org/presentationml/2006/main">
+  <p:cSld>
+    <p:spTree>
+      <p:nvGrpSpPr>
+        <p:cNvPr id="1" name=""/>
+        <p:cNvGrpSpPr/>
+        <p:nvPr/>
+      </p:nvGrpSpPr>
+      <p:grpSpPr>
+        <a:xfrm>
+          <a:off x="0" y="0"/>
+          <a:ext cx="0" cy="0"/>
+          <a:chOff x="0" y="0"/>
+          <a:chExt cx="0" cy="0"/>
+        </a:xfrm>
+      </p:grpSpPr>
+      <p:sp>
+        <p:nvSpPr>
+          <p:cNvPr id="2" name="Title 1"/>
+          <p:cNvSpPr>
+            <a:spLocks noGrp="1"/>
+          </p:cNvSpPr>
+          <p:nvPr>
+            <p:ph type="title"/>
+          </p:nvPr>
+        </p:nvSpPr>
+        <p:spPr/>
+        <p:txBody>
+          <a:bodyPr/>
+          <a:lstStyle/>
+          <a:p>
+            <a:r>
+              <a:rPr lang="en-US" dirty="0"/>
+              <a:t>64-bit Logic Shift Left</a:t>
+            </a:r>
+          </a:p>
+        </p:txBody>
+      </p:sp>
+      <p:sp>
+        <p:nvSpPr>
+          <p:cNvPr id="3" name="Slide Number Placeholder 2"/>
+          <p:cNvSpPr>
+            <a:spLocks noGrp="1"/>
+          </p:cNvSpPr>
+          <p:nvPr>
+            <p:ph type="sldNum" sz="quarter" idx="12"/>
+          </p:nvPr>
+        </p:nvSpPr>
+        <p:spPr/>
+        <p:txBody>
+          <a:bodyPr/>
+          <a:lstStyle/>
+          <a:p>
+            <a:fld id="{EA7C8D44-3667-46F6-9772-CC52308E2A7F}" type="slidenum">
+              <a:rPr kumimoji="0" lang="en-US" smtClean="0"/>
+              <a:pPr/>
+              <a:t>10</a:t>
+            </a:fld>
+            <a:endParaRPr kumimoji="0" lang="en-US" dirty="0"/>
+          </a:p>
+        </p:txBody>
+      </p:sp>
+      <p:pic>
+        <p:nvPicPr>
+          <p:cNvPr id="4" name="Picture 3"/>
+          <p:cNvPicPr>
+            <a:picLocks noChangeAspect="1"/>
+          </p:cNvPicPr>
+          <p:nvPr/>
+        </p:nvPicPr>
+        <p:blipFill>
+          <a:blip r:embed="rId2"/>
+          <a:stretch>
+            <a:fillRect/>
+          </a:stretch>
+        </p:blipFill>
+        <p:spPr>
+          <a:xfrm>
+            <a:off x="256124" y="3086370"/>
+            <a:ext cx="8631751" cy="685260"/>
+          </a:xfrm>
+          <a:prstGeom prst="rect">
+            <a:avLst/>
+          </a:prstGeom>
+        </p:spPr>
+      </p:pic>
+    </p:spTree>
+    <p:extLst>
+      <p:ext uri="{BB962C8B-B14F-4D97-AF65-F5344CB8AC3E}">
+        <p14:creationId xmlns:p14="http://schemas.microsoft.com/office/powerpoint/2010/main" val="2714306100"/>
+      </p:ext>
+    </p:extLst>
+  </p:cSld>
+  <p:clrMapOvr>
+    <a:masterClrMapping/>
+  </p:clrMapOvr>
+</p:sld>
+</file>
+
+<file path=ppt/slides/slide11.xml><?xml version="1.0" encoding="utf-8"?>
+<p:sld xmlns:a="http://schemas.openxmlformats.org/drawingml/2006/main" xmlns:r="http://schemas.openxmlformats.org/officeDocument/2006/relationships" xmlns:p="http://schemas.openxmlformats.org/presentationml/2006/main">
+  <p:cSld>
+    <p:spTree>
+      <p:nvGrpSpPr>
+        <p:cNvPr id="1" name=""/>
+        <p:cNvGrpSpPr/>
+        <p:nvPr/>
+      </p:nvGrpSpPr>
+      <p:grpSpPr>
+        <a:xfrm>
+          <a:off x="0" y="0"/>
+          <a:ext cx="0" cy="0"/>
+          <a:chOff x="0" y="0"/>
+          <a:chExt cx="0" cy="0"/>
+        </a:xfrm>
+      </p:grpSpPr>
+      <p:sp>
+        <p:nvSpPr>
+          <p:cNvPr id="2" name="Title 1"/>
+          <p:cNvSpPr>
+            <a:spLocks noGrp="1"/>
+          </p:cNvSpPr>
+          <p:nvPr>
+            <p:ph type="title"/>
+          </p:nvPr>
+        </p:nvSpPr>
+        <p:spPr/>
+        <p:txBody>
+          <a:bodyPr/>
+          <a:lstStyle/>
+          <a:p>
+            <a:r>
+              <a:rPr lang="en-US" dirty="0"/>
+              <a:t>64-bit Logic Shift Left</a:t>
+            </a:r>
+          </a:p>
+        </p:txBody>
+      </p:sp>
+      <p:sp>
+        <p:nvSpPr>
+          <p:cNvPr id="3" name="Slide Number Placeholder 2"/>
+          <p:cNvSpPr>
+            <a:spLocks noGrp="1"/>
+          </p:cNvSpPr>
+          <p:nvPr>
+            <p:ph type="sldNum" sz="quarter" idx="12"/>
+          </p:nvPr>
+        </p:nvSpPr>
+        <p:spPr/>
+        <p:txBody>
+          <a:bodyPr/>
+          <a:lstStyle/>
+          <a:p>
+            <a:fld id="{EA7C8D44-3667-46F6-9772-CC52308E2A7F}" type="slidenum">
+              <a:rPr kumimoji="0" lang="en-US" smtClean="0"/>
+              <a:pPr/>
+              <a:t>11</a:t>
+            </a:fld>
+            <a:endParaRPr kumimoji="0" lang="en-US" dirty="0"/>
+          </a:p>
+        </p:txBody>
+      </p:sp>
+      <p:sp>
+        <p:nvSpPr>
+          <p:cNvPr id="4" name="TextBox 3"/>
+          <p:cNvSpPr txBox="1"/>
+          <p:nvPr/>
+        </p:nvSpPr>
+        <p:spPr>
+          <a:xfrm>
+            <a:off x="533400" y="1447800"/>
+            <a:ext cx="3123932" cy="369332"/>
+          </a:xfrm>
+          <a:prstGeom prst="rect">
+            <a:avLst/>
+          </a:prstGeom>
+          <a:noFill/>
+        </p:spPr>
+        <p:txBody>
+          <a:bodyPr wrap="none" rtlCol="0">
+            <a:spAutoFit/>
+          </a:bodyPr>
+          <a:lstStyle/>
+          <a:p>
+            <a:r>
+              <a:rPr lang="en-US" dirty="0"/>
+              <a:t>Example of Logic Shift Left by 3</a:t>
+            </a:r>
+          </a:p>
+        </p:txBody>
+      </p:sp>
+      <p:pic>
+        <p:nvPicPr>
+          <p:cNvPr id="6" name="Picture 2"/>
+          <p:cNvPicPr>
+            <a:picLocks noChangeAspect="1" noChangeArrowheads="1"/>
+          </p:cNvPicPr>
+          <p:nvPr/>
+        </p:nvPicPr>
+        <p:blipFill>
+          <a:blip r:embed="rId2">
+            <a:extLst>
+              <a:ext uri="{28A0092B-C50C-407E-A947-70E740481C1C}">
+                <a14:useLocalDpi xmlns:a14="http://schemas.microsoft.com/office/drawing/2010/main" val="0"/>
+              </a:ext>
+            </a:extLst>
+          </a:blip>
+          <a:srcRect/>
+          <a:stretch>
+            <a:fillRect/>
+          </a:stretch>
+        </p:blipFill>
+        <p:spPr bwMode="auto">
+          <a:xfrm>
+            <a:off x="0" y="1950985"/>
+            <a:ext cx="9144000" cy="2923248"/>
+          </a:xfrm>
+          <a:prstGeom prst="rect">
+            <a:avLst/>
+          </a:prstGeom>
+          <a:noFill/>
+          <a:ln>
+            <a:noFill/>
+          </a:ln>
+          <a:extLst>
+            <a:ext uri="{909E8E84-426E-40DD-AFC4-6F175D3DCCD1}">
+              <a14:hiddenFill xmlns:a14="http://schemas.microsoft.com/office/drawing/2010/main">
+                <a:solidFill>
+                  <a:schemeClr val="accent1"/>
+                </a:solidFill>
+              </a14:hiddenFill>
+            </a:ext>
+            <a:ext uri="{91240B29-F687-4F45-9708-019B960494DF}">
+              <a14:hiddenLine xmlns:a14="http://schemas.microsoft.com/office/drawing/2010/main" w="9525">
+                <a:solidFill>
+                  <a:schemeClr val="tx1"/>
+                </a:solidFill>
+                <a:miter lim="800000"/>
+                <a:headEnd/>
+                <a:tailEnd/>
+              </a14:hiddenLine>
+            </a:ext>
+          </a:extLst>
+        </p:spPr>
+      </p:pic>
+    </p:spTree>
+    <p:extLst>
+      <p:ext uri="{BB962C8B-B14F-4D97-AF65-F5344CB8AC3E}">
+        <p14:creationId xmlns:p14="http://schemas.microsoft.com/office/powerpoint/2010/main" val="1508398580"/>
+      </p:ext>
+    </p:extLst>
+  </p:cSld>
+  <p:clrMapOvr>
+    <a:masterClrMapping/>
+  </p:clrMapOvr>
+</p:sld>
+</file>
+
+<file path=ppt/slides/slide12.xml><?xml version="1.0" encoding="utf-8"?>
+<p:sld xmlns:a="http://schemas.openxmlformats.org/drawingml/2006/main" xmlns:r="http://schemas.openxmlformats.org/officeDocument/2006/relationships" xmlns:p="http://schemas.openxmlformats.org/presentationml/2006/main">
+  <p:cSld>
+    <p:spTree>
+      <p:nvGrpSpPr>
+        <p:cNvPr id="1" name=""/>
+        <p:cNvGrpSpPr/>
+        <p:nvPr/>
+      </p:nvGrpSpPr>
+      <p:grpSpPr>
+        <a:xfrm>
+          <a:off x="0" y="0"/>
+          <a:ext cx="0" cy="0"/>
+          <a:chOff x="0" y="0"/>
+          <a:chExt cx="0" cy="0"/>
+        </a:xfrm>
+      </p:grpSpPr>
+      <p:sp>
+        <p:nvSpPr>
+          <p:cNvPr id="2" name="Title 1"/>
+          <p:cNvSpPr>
+            <a:spLocks noGrp="1"/>
+          </p:cNvSpPr>
+          <p:nvPr>
+            <p:ph type="title"/>
+          </p:nvPr>
+        </p:nvSpPr>
+        <p:spPr/>
+        <p:txBody>
+          <a:bodyPr/>
+          <a:lstStyle/>
+          <a:p>
+            <a:r>
+              <a:rPr lang="en-US" dirty="0"/>
+              <a:t>64-bit Logic Shift Right</a:t>
+            </a:r>
+          </a:p>
+        </p:txBody>
+      </p:sp>
+      <p:sp>
+        <p:nvSpPr>
+          <p:cNvPr id="3" name="Slide Number Placeholder 2"/>
+          <p:cNvSpPr>
+            <a:spLocks noGrp="1"/>
+          </p:cNvSpPr>
+          <p:nvPr>
+            <p:ph type="sldNum" sz="quarter" idx="12"/>
+          </p:nvPr>
+        </p:nvSpPr>
+        <p:spPr/>
+        <p:txBody>
+          <a:bodyPr/>
+          <a:lstStyle/>
+          <a:p>
+            <a:fld id="{EA7C8D44-3667-46F6-9772-CC52308E2A7F}" type="slidenum">
+              <a:rPr kumimoji="0" lang="en-US" smtClean="0"/>
+              <a:pPr/>
+              <a:t>12</a:t>
+            </a:fld>
+            <a:endParaRPr kumimoji="0" lang="en-US" dirty="0"/>
+          </a:p>
+        </p:txBody>
+      </p:sp>
+      <p:pic>
+        <p:nvPicPr>
+          <p:cNvPr id="4" name="Picture 3"/>
+          <p:cNvPicPr>
+            <a:picLocks noChangeAspect="1"/>
+          </p:cNvPicPr>
+          <p:nvPr/>
+        </p:nvPicPr>
+        <p:blipFill>
+          <a:blip r:embed="rId2"/>
+          <a:stretch>
+            <a:fillRect/>
+          </a:stretch>
+        </p:blipFill>
+        <p:spPr>
+          <a:xfrm>
+            <a:off x="249777" y="2940435"/>
+            <a:ext cx="8644445" cy="977130"/>
+          </a:xfrm>
+          <a:prstGeom prst="rect">
+            <a:avLst/>
+          </a:prstGeom>
+        </p:spPr>
+      </p:pic>
+    </p:spTree>
+    <p:extLst>
+      <p:ext uri="{BB962C8B-B14F-4D97-AF65-F5344CB8AC3E}">
+        <p14:creationId xmlns:p14="http://schemas.microsoft.com/office/powerpoint/2010/main" val="99910597"/>
+      </p:ext>
+    </p:extLst>
+  </p:cSld>
+  <p:clrMapOvr>
+    <a:masterClrMapping/>
+  </p:clrMapOvr>
+</p:sld>
+</file>
+
+<file path=ppt/slides/slide13.xml><?xml version="1.0" encoding="utf-8"?>
+<p:sld xmlns:a="http://schemas.openxmlformats.org/drawingml/2006/main" xmlns:r="http://schemas.openxmlformats.org/officeDocument/2006/relationships" xmlns:p="http://schemas.openxmlformats.org/presentationml/2006/main">
+  <p:cSld>
+    <p:spTree>
+      <p:nvGrpSpPr>
+        <p:cNvPr id="1" name=""/>
+        <p:cNvGrpSpPr/>
+        <p:nvPr/>
+      </p:nvGrpSpPr>
+      <p:grpSpPr>
+        <a:xfrm>
+          <a:off x="0" y="0"/>
+          <a:ext cx="0" cy="0"/>
+          <a:chOff x="0" y="0"/>
+          <a:chExt cx="0" cy="0"/>
+        </a:xfrm>
+      </p:grpSpPr>
+      <p:sp>
+        <p:nvSpPr>
+          <p:cNvPr id="2" name="Title 1"/>
+          <p:cNvSpPr>
+            <a:spLocks noGrp="1"/>
+          </p:cNvSpPr>
+          <p:nvPr>
+            <p:ph type="title"/>
+          </p:nvPr>
+        </p:nvSpPr>
+        <p:spPr/>
+        <p:txBody>
+          <a:bodyPr/>
+          <a:lstStyle/>
+          <a:p>
+            <a:r>
+              <a:rPr lang="en-US" dirty="0"/>
+              <a:t>64-bit Logic Shift Right</a:t>
+            </a:r>
+          </a:p>
+        </p:txBody>
+      </p:sp>
+      <p:sp>
+        <p:nvSpPr>
+          <p:cNvPr id="3" name="Slide Number Placeholder 2"/>
+          <p:cNvSpPr>
+            <a:spLocks noGrp="1"/>
+          </p:cNvSpPr>
+          <p:nvPr>
+            <p:ph type="sldNum" sz="quarter" idx="12"/>
+          </p:nvPr>
+        </p:nvSpPr>
+        <p:spPr/>
+        <p:txBody>
+          <a:bodyPr/>
+          <a:lstStyle/>
+          <a:p>
+            <a:fld id="{EA7C8D44-3667-46F6-9772-CC52308E2A7F}" type="slidenum">
+              <a:rPr kumimoji="0" lang="en-US" smtClean="0"/>
+              <a:pPr/>
+              <a:t>13</a:t>
+            </a:fld>
+            <a:endParaRPr kumimoji="0" lang="en-US" dirty="0"/>
+          </a:p>
+        </p:txBody>
+      </p:sp>
+      <p:sp>
+        <p:nvSpPr>
+          <p:cNvPr id="5" name="TextBox 4"/>
+          <p:cNvSpPr txBox="1"/>
+          <p:nvPr/>
+        </p:nvSpPr>
+        <p:spPr>
+          <a:xfrm>
+            <a:off x="228600" y="1371600"/>
+            <a:ext cx="3245760" cy="369332"/>
+          </a:xfrm>
+          <a:prstGeom prst="rect">
+            <a:avLst/>
+          </a:prstGeom>
+          <a:noFill/>
+        </p:spPr>
+        <p:txBody>
+          <a:bodyPr wrap="none" rtlCol="0">
+            <a:spAutoFit/>
+          </a:bodyPr>
+          <a:lstStyle/>
+          <a:p>
+            <a:r>
+              <a:rPr lang="en-US" dirty="0"/>
+              <a:t>Example of Logic Shift Right by 3</a:t>
+            </a:r>
+          </a:p>
+        </p:txBody>
+      </p:sp>
+      <p:pic>
+        <p:nvPicPr>
+          <p:cNvPr id="1027" name="Picture 3"/>
+          <p:cNvPicPr>
+            <a:picLocks noChangeAspect="1" noChangeArrowheads="1"/>
+          </p:cNvPicPr>
+          <p:nvPr/>
+        </p:nvPicPr>
+        <p:blipFill>
+          <a:blip r:embed="rId2">
+            <a:extLst>
+              <a:ext uri="{28A0092B-C50C-407E-A947-70E740481C1C}">
+                <a14:useLocalDpi xmlns:a14="http://schemas.microsoft.com/office/drawing/2010/main" val="0"/>
+              </a:ext>
+            </a:extLst>
+          </a:blip>
+          <a:srcRect/>
+          <a:stretch>
+            <a:fillRect/>
+          </a:stretch>
+        </p:blipFill>
+        <p:spPr bwMode="auto">
+          <a:xfrm>
+            <a:off x="0" y="2295526"/>
+            <a:ext cx="9100256" cy="2581274"/>
+          </a:xfrm>
+          <a:prstGeom prst="rect">
+            <a:avLst/>
+          </a:prstGeom>
+          <a:noFill/>
+          <a:ln>
+            <a:noFill/>
+          </a:ln>
+          <a:extLst>
+            <a:ext uri="{909E8E84-426E-40DD-AFC4-6F175D3DCCD1}">
+              <a14:hiddenFill xmlns:a14="http://schemas.microsoft.com/office/drawing/2010/main">
+                <a:solidFill>
+                  <a:schemeClr val="accent1"/>
+                </a:solidFill>
+              </a14:hiddenFill>
+            </a:ext>
+            <a:ext uri="{91240B29-F687-4F45-9708-019B960494DF}">
+              <a14:hiddenLine xmlns:a14="http://schemas.microsoft.com/office/drawing/2010/main" w="9525">
+                <a:solidFill>
+                  <a:schemeClr val="tx1"/>
+                </a:solidFill>
+                <a:miter lim="800000"/>
+                <a:headEnd/>
+                <a:tailEnd/>
+              </a14:hiddenLine>
+            </a:ext>
+          </a:extLst>
+        </p:spPr>
+      </p:pic>
+    </p:spTree>
+    <p:extLst>
+      <p:ext uri="{BB962C8B-B14F-4D97-AF65-F5344CB8AC3E}">
+        <p14:creationId xmlns:p14="http://schemas.microsoft.com/office/powerpoint/2010/main" val="712390701"/>
       </p:ext>
     </p:extLst>
   </p:cSld>

--- a/PPTs/ZDELETED.pptx
+++ b/PPTs/ZDELETED.pptx
@@ -5,7 +5,7 @@
     <p:sldMasterId id="2147483660" r:id="rId1"/>
   </p:sldMasterIdLst>
   <p:notesMasterIdLst>
-    <p:notesMasterId r:id="rId15"/>
+    <p:notesMasterId r:id="rId16"/>
   </p:notesMasterIdLst>
   <p:sldIdLst>
     <p:sldId id="256" r:id="rId2"/>
@@ -21,6 +21,7 @@
     <p:sldId id="264" r:id="rId12"/>
     <p:sldId id="262" r:id="rId13"/>
     <p:sldId id="265" r:id="rId14"/>
+    <p:sldId id="379" r:id="rId15"/>
   </p:sldIdLst>
   <p:sldSz cx="9144000" cy="6858000" type="screen4x3"/>
   <p:notesSz cx="6858000" cy="9144000"/>
@@ -141,7 +142,7 @@
 <file path=ppt/revisionInfo.xml><?xml version="1.0" encoding="utf-8"?>
 <p1510:revInfo xmlns:a="http://schemas.openxmlformats.org/drawingml/2006/main" xmlns:r="http://schemas.openxmlformats.org/officeDocument/2006/relationships" xmlns:p1510="http://schemas.microsoft.com/office/powerpoint/2015/10/main">
   <p1510:revLst>
-    <p1510:client id="{74B15ED0-6DB4-4108-82C9-64F0E8E52BFB}" v="6" dt="2025-09-21T23:03:14.612"/>
+    <p1510:client id="{74B15ED0-6DB4-4108-82C9-64F0E8E52BFB}" v="7" dt="2025-09-23T19:54:54.880"/>
   </p1510:revLst>
 </p1510:revInfo>
 </file>
@@ -151,7 +152,7 @@
   <pc:docChgLst>
     <pc:chgData name="Zonghua Gu" userId="9a7e1853e1951ef5" providerId="LiveId" clId="{CF1FAA12-072C-4ED5-BA76-0FFFAEFDB88A}"/>
     <pc:docChg chg="custSel addSld delSld modSld">
-      <pc:chgData name="Zonghua Gu" userId="9a7e1853e1951ef5" providerId="LiveId" clId="{CF1FAA12-072C-4ED5-BA76-0FFFAEFDB88A}" dt="2025-09-21T23:03:14.599" v="18"/>
+      <pc:chgData name="Zonghua Gu" userId="9a7e1853e1951ef5" providerId="LiveId" clId="{CF1FAA12-072C-4ED5-BA76-0FFFAEFDB88A}" dt="2025-09-23T19:54:54.877" v="19"/>
       <pc:docMkLst>
         <pc:docMk/>
       </pc:docMkLst>
@@ -522,6 +523,13 @@
           <pc:sldMk cId="3132066556" sldId="346"/>
         </pc:sldMkLst>
       </pc:sldChg>
+      <pc:sldChg chg="add">
+        <pc:chgData name="Zonghua Gu" userId="9a7e1853e1951ef5" providerId="LiveId" clId="{CF1FAA12-072C-4ED5-BA76-0FFFAEFDB88A}" dt="2025-09-23T19:54:54.877" v="19"/>
+        <pc:sldMkLst>
+          <pc:docMk/>
+          <pc:sldMk cId="397854206" sldId="379"/>
+        </pc:sldMkLst>
+      </pc:sldChg>
       <pc:sldChg chg="add del">
         <pc:chgData name="Zonghua Gu" userId="9a7e1853e1951ef5" providerId="LiveId" clId="{CF1FAA12-072C-4ED5-BA76-0FFFAEFDB88A}" dt="2025-09-18T02:55:09.669" v="16"/>
         <pc:sldMkLst>
@@ -631,7 +639,7 @@
             <a:fld id="{3AC3A17A-95E8-4381-B66B-5D6DE2B3048A}" type="datetimeFigureOut">
               <a:rPr lang="en-US" smtClean="0"/>
               <a:pPr/>
-              <a:t>9/21/2025</a:t>
+              <a:t>9/23/2025</a:t>
             </a:fld>
             <a:endParaRPr lang="en-US"/>
           </a:p>
@@ -1042,7 +1050,7 @@
             <a:fld id="{966FEA0E-C2DF-4252-97AD-54F2B7E07EAC}" type="datetime1">
               <a:rPr lang="en-US" smtClean="0"/>
               <a:pPr eaLnBrk="1" latinLnBrk="0" hangingPunct="1"/>
-              <a:t>9/21/2025</a:t>
+              <a:t>9/23/2025</a:t>
             </a:fld>
             <a:endParaRPr lang="en-US" sz="1600" dirty="0"/>
           </a:p>
@@ -1403,7 +1411,7 @@
             <a:fld id="{69EF9524-0CAA-4F98-BAC2-CE6B712F5E94}" type="datetime1">
               <a:rPr lang="en-US" smtClean="0"/>
               <a:pPr eaLnBrk="1" latinLnBrk="0" hangingPunct="1"/>
-              <a:t>9/21/2025</a:t>
+              <a:t>9/23/2025</a:t>
             </a:fld>
             <a:endParaRPr lang="en-US"/>
           </a:p>
@@ -1580,7 +1588,7 @@
             <a:fld id="{CB20516D-6F89-4C89-8307-32A716E22875}" type="datetime1">
               <a:rPr lang="en-US" smtClean="0"/>
               <a:pPr eaLnBrk="1" latinLnBrk="0" hangingPunct="1"/>
-              <a:t>9/21/2025</a:t>
+              <a:t>9/23/2025</a:t>
             </a:fld>
             <a:endParaRPr lang="en-US"/>
           </a:p>
@@ -1817,7 +1825,7 @@
             <a:fld id="{0CD88620-7329-4FC3-B65D-4EA691138F1B}" type="datetime1">
               <a:rPr lang="en-US" smtClean="0"/>
               <a:pPr eaLnBrk="1" latinLnBrk="0" hangingPunct="1"/>
-              <a:t>9/21/2025</a:t>
+              <a:t>9/23/2025</a:t>
             </a:fld>
             <a:endParaRPr lang="en-US" dirty="0"/>
           </a:p>
@@ -2088,7 +2096,7 @@
             <a:fld id="{0E46F3A1-5653-427D-9F78-56077401431A}" type="datetime1">
               <a:rPr lang="en-US" smtClean="0"/>
               <a:pPr eaLnBrk="1" latinLnBrk="0" hangingPunct="1"/>
-              <a:t>9/21/2025</a:t>
+              <a:t>9/23/2025</a:t>
             </a:fld>
             <a:endParaRPr lang="en-US" dirty="0"/>
           </a:p>
@@ -2310,7 +2318,7 @@
             <a:fld id="{CB67FC03-415A-45F0-B002-DF181377F7DC}" type="datetime1">
               <a:rPr lang="en-US" smtClean="0"/>
               <a:pPr eaLnBrk="1" latinLnBrk="0" hangingPunct="1"/>
-              <a:t>9/21/2025</a:t>
+              <a:t>9/23/2025</a:t>
             </a:fld>
             <a:endParaRPr lang="en-US"/>
           </a:p>
@@ -2664,7 +2672,7 @@
             <a:fld id="{1B6FC726-A0B4-4FC7-90F5-F17415A5C1A3}" type="datetime1">
               <a:rPr lang="en-US" smtClean="0"/>
               <a:pPr eaLnBrk="1" latinLnBrk="0" hangingPunct="1"/>
-              <a:t>9/21/2025</a:t>
+              <a:t>9/23/2025</a:t>
             </a:fld>
             <a:endParaRPr lang="en-US"/>
           </a:p>
@@ -2898,7 +2906,7 @@
             <a:fld id="{BE217211-C3F9-4892-9CC3-C7105638567D}" type="datetime1">
               <a:rPr lang="en-US" smtClean="0"/>
               <a:pPr eaLnBrk="1" latinLnBrk="0" hangingPunct="1"/>
-              <a:t>9/21/2025</a:t>
+              <a:t>9/23/2025</a:t>
             </a:fld>
             <a:endParaRPr lang="en-US"/>
           </a:p>
@@ -3041,7 +3049,7 @@
             <a:fld id="{BA713E6A-6B26-4373-A75B-EF395DC64F9E}" type="datetime1">
               <a:rPr lang="en-US" smtClean="0"/>
               <a:pPr eaLnBrk="1" latinLnBrk="0" hangingPunct="1"/>
-              <a:t>9/21/2025</a:t>
+              <a:t>9/23/2025</a:t>
             </a:fld>
             <a:endParaRPr lang="en-US"/>
           </a:p>
@@ -3320,7 +3328,7 @@
             <a:fld id="{57EB41EF-4260-415A-8DD6-FEDCC46E7EFC}" type="datetime1">
               <a:rPr lang="en-US" smtClean="0"/>
               <a:pPr eaLnBrk="1" latinLnBrk="0" hangingPunct="1"/>
-              <a:t>9/21/2025</a:t>
+              <a:t>9/23/2025</a:t>
             </a:fld>
             <a:endParaRPr lang="en-US"/>
           </a:p>
@@ -3729,7 +3737,7 @@
             <a:fld id="{6BDA80A0-06CC-4492-94A0-E8516751045E}" type="datetime1">
               <a:rPr lang="en-US" smtClean="0"/>
               <a:pPr eaLnBrk="1" latinLnBrk="0" hangingPunct="1"/>
-              <a:t>9/21/2025</a:t>
+              <a:t>9/23/2025</a:t>
             </a:fld>
             <a:endParaRPr lang="en-US"/>
           </a:p>
@@ -4068,7 +4076,7 @@
             <a:fld id="{A25B5B4B-57EE-495D-8E74-A657CFD8BB6C}" type="datetime1">
               <a:rPr lang="en-US" smtClean="0"/>
               <a:pPr eaLnBrk="1" latinLnBrk="0" hangingPunct="1"/>
-              <a:t>9/21/2025</a:t>
+              <a:t>9/23/2025</a:t>
             </a:fld>
             <a:endParaRPr lang="en-US" sz="1400" dirty="0">
               <a:solidFill>
@@ -5363,6 +5371,652 @@
     <p:extLst>
       <p:ext uri="{BB962C8B-B14F-4D97-AF65-F5344CB8AC3E}">
         <p14:creationId xmlns:p14="http://schemas.microsoft.com/office/powerpoint/2010/main" val="712390701"/>
+      </p:ext>
+    </p:extLst>
+  </p:cSld>
+  <p:clrMapOvr>
+    <a:masterClrMapping/>
+  </p:clrMapOvr>
+</p:sld>
+</file>
+
+<file path=ppt/slides/slide14.xml><?xml version="1.0" encoding="utf-8"?>
+<p:sld xmlns:a="http://schemas.openxmlformats.org/drawingml/2006/main" xmlns:r="http://schemas.openxmlformats.org/officeDocument/2006/relationships" xmlns:p="http://schemas.openxmlformats.org/presentationml/2006/main">
+  <p:cSld>
+    <p:spTree>
+      <p:nvGrpSpPr>
+        <p:cNvPr id="1" name=""/>
+        <p:cNvGrpSpPr/>
+        <p:nvPr/>
+      </p:nvGrpSpPr>
+      <p:grpSpPr>
+        <a:xfrm>
+          <a:off x="0" y="0"/>
+          <a:ext cx="0" cy="0"/>
+          <a:chOff x="0" y="0"/>
+          <a:chExt cx="0" cy="0"/>
+        </a:xfrm>
+      </p:grpSpPr>
+      <p:sp>
+        <p:nvSpPr>
+          <p:cNvPr id="2" name="Title 1">
+            <a:extLst>
+              <a:ext uri="{FF2B5EF4-FFF2-40B4-BE49-F238E27FC236}">
+                <a16:creationId xmlns:a16="http://schemas.microsoft.com/office/drawing/2014/main" id="{7BAE58F7-DD2C-7131-891F-4C21E8AC642B}"/>
+              </a:ext>
+            </a:extLst>
+          </p:cNvPr>
+          <p:cNvSpPr>
+            <a:spLocks noGrp="1"/>
+          </p:cNvSpPr>
+          <p:nvPr>
+            <p:ph type="title"/>
+          </p:nvPr>
+        </p:nvSpPr>
+        <p:spPr>
+          <a:xfrm>
+            <a:off x="302341" y="-457200"/>
+            <a:ext cx="8839201" cy="914400"/>
+          </a:xfrm>
+        </p:spPr>
+        <p:txBody>
+          <a:bodyPr>
+            <a:normAutofit/>
+          </a:bodyPr>
+          <a:lstStyle/>
+          <a:p>
+            <a:r>
+              <a:rPr lang="en-US" sz="1800" dirty="0"/>
+              <a:t>ARM Register Conventions (APCS-Application Procedure Call Standard)</a:t>
+            </a:r>
+          </a:p>
+        </p:txBody>
+      </p:sp>
+      <p:sp>
+        <p:nvSpPr>
+          <p:cNvPr id="3" name="Slide Number Placeholder 2">
+            <a:extLst>
+              <a:ext uri="{FF2B5EF4-FFF2-40B4-BE49-F238E27FC236}">
+                <a16:creationId xmlns:a16="http://schemas.microsoft.com/office/drawing/2014/main" id="{02A9D7B4-1C12-419A-88B5-D188777C0E3A}"/>
+              </a:ext>
+            </a:extLst>
+          </p:cNvPr>
+          <p:cNvSpPr>
+            <a:spLocks noGrp="1"/>
+          </p:cNvSpPr>
+          <p:nvPr>
+            <p:ph type="sldNum" sz="quarter" idx="12"/>
+          </p:nvPr>
+        </p:nvSpPr>
+        <p:spPr/>
+        <p:txBody>
+          <a:bodyPr/>
+          <a:lstStyle/>
+          <a:p>
+            <a:fld id="{EA7C8D44-3667-46F6-9772-CC52308E2A7F}" type="slidenum">
+              <a:rPr kumimoji="0" lang="en-US" smtClean="0"/>
+              <a:pPr/>
+              <a:t>14</a:t>
+            </a:fld>
+            <a:endParaRPr kumimoji="0" lang="en-US" dirty="0"/>
+          </a:p>
+        </p:txBody>
+      </p:sp>
+      <p:graphicFrame>
+        <p:nvGraphicFramePr>
+          <p:cNvPr id="7" name="Table 6">
+            <a:extLst>
+              <a:ext uri="{FF2B5EF4-FFF2-40B4-BE49-F238E27FC236}">
+                <a16:creationId xmlns:a16="http://schemas.microsoft.com/office/drawing/2014/main" id="{2953B4AB-BCAF-439D-6351-9E157BE57934}"/>
+              </a:ext>
+            </a:extLst>
+          </p:cNvPr>
+          <p:cNvGraphicFramePr>
+            <a:graphicFrameLocks noGrp="1"/>
+          </p:cNvGraphicFramePr>
+          <p:nvPr/>
+        </p:nvGraphicFramePr>
+        <p:xfrm>
+          <a:off x="152399" y="616234"/>
+          <a:ext cx="8839201" cy="6116736"/>
+        </p:xfrm>
+        <a:graphic>
+          <a:graphicData uri="http://schemas.openxmlformats.org/drawingml/2006/table">
+            <a:tbl>
+              <a:tblPr firstRow="1" bandRow="1">
+                <a:tableStyleId>{5C22544A-7EE6-4342-B048-85BDC9FD1C3A}</a:tableStyleId>
+              </a:tblPr>
+              <a:tblGrid>
+                <a:gridCol w="982134">
+                  <a:extLst>
+                    <a:ext uri="{9D8B030D-6E8A-4147-A177-3AD203B41FA5}">
+                      <a16:colId xmlns:a16="http://schemas.microsoft.com/office/drawing/2014/main" val="200291306"/>
+                    </a:ext>
+                  </a:extLst>
+                </a:gridCol>
+                <a:gridCol w="846667">
+                  <a:extLst>
+                    <a:ext uri="{9D8B030D-6E8A-4147-A177-3AD203B41FA5}">
+                      <a16:colId xmlns:a16="http://schemas.microsoft.com/office/drawing/2014/main" val="1765130036"/>
+                    </a:ext>
+                  </a:extLst>
+                </a:gridCol>
+                <a:gridCol w="3654778">
+                  <a:extLst>
+                    <a:ext uri="{9D8B030D-6E8A-4147-A177-3AD203B41FA5}">
+                      <a16:colId xmlns:a16="http://schemas.microsoft.com/office/drawing/2014/main" val="87492144"/>
+                    </a:ext>
+                  </a:extLst>
+                </a:gridCol>
+                <a:gridCol w="3355622">
+                  <a:extLst>
+                    <a:ext uri="{9D8B030D-6E8A-4147-A177-3AD203B41FA5}">
+                      <a16:colId xmlns:a16="http://schemas.microsoft.com/office/drawing/2014/main" val="314569210"/>
+                    </a:ext>
+                  </a:extLst>
+                </a:gridCol>
+              </a:tblGrid>
+              <a:tr h="555970">
+                <a:tc>
+                  <a:txBody>
+                    <a:bodyPr/>
+                    <a:lstStyle/>
+                    <a:p>
+                      <a:r>
+                        <a:rPr lang="en-US" sz="1600" dirty="0"/>
+                        <a:t>Reg. </a:t>
+                      </a:r>
+                    </a:p>
+                    <a:p>
+                      <a:r>
+                        <a:rPr lang="en-US" sz="1600" dirty="0"/>
+                        <a:t>#</a:t>
+                      </a:r>
+                    </a:p>
+                  </a:txBody>
+                  <a:tcPr/>
+                </a:tc>
+                <a:tc>
+                  <a:txBody>
+                    <a:bodyPr/>
+                    <a:lstStyle/>
+                    <a:p>
+                      <a:r>
+                        <a:rPr lang="en-US" sz="1600" dirty="0"/>
+                        <a:t>APCS</a:t>
+                      </a:r>
+                    </a:p>
+                    <a:p>
+                      <a:r>
+                        <a:rPr lang="en-US" sz="1600" dirty="0"/>
+                        <a:t> Name</a:t>
+                      </a:r>
+                    </a:p>
+                  </a:txBody>
+                  <a:tcPr/>
+                </a:tc>
+                <a:tc>
+                  <a:txBody>
+                    <a:bodyPr/>
+                    <a:lstStyle/>
+                    <a:p>
+                      <a:r>
+                        <a:rPr lang="en-US" sz="1600" dirty="0"/>
+                        <a:t>Role in Procedure Calls</a:t>
+                      </a:r>
+                    </a:p>
+                  </a:txBody>
+                  <a:tcPr/>
+                </a:tc>
+                <a:tc>
+                  <a:txBody>
+                    <a:bodyPr/>
+                    <a:lstStyle/>
+                    <a:p>
+                      <a:r>
+                        <a:rPr lang="en-US" sz="1600" dirty="0"/>
+                        <a:t>Comments</a:t>
+                      </a:r>
+                    </a:p>
+                  </a:txBody>
+                  <a:tcPr/>
+                </a:tc>
+                <a:extLst>
+                  <a:ext uri="{0D108BD9-81ED-4DB2-BD59-A6C34878D82A}">
+                    <a16:rowId xmlns:a16="http://schemas.microsoft.com/office/drawing/2014/main" val="571678385"/>
+                  </a:ext>
+                </a:extLst>
+              </a:tr>
+              <a:tr h="1258247">
+                <a:tc>
+                  <a:txBody>
+                    <a:bodyPr/>
+                    <a:lstStyle/>
+                    <a:p>
+                      <a:r>
+                        <a:rPr lang="en-US" sz="1600" dirty="0"/>
+                        <a:t>r0 - r3</a:t>
+                      </a:r>
+                    </a:p>
+                  </a:txBody>
+                  <a:tcPr/>
+                </a:tc>
+                <a:tc>
+                  <a:txBody>
+                    <a:bodyPr/>
+                    <a:lstStyle/>
+                    <a:p>
+                      <a:r>
+                        <a:rPr lang="en-US" sz="1600" dirty="0"/>
+                        <a:t>a1 - a4</a:t>
+                      </a:r>
+                    </a:p>
+                  </a:txBody>
+                  <a:tcPr/>
+                </a:tc>
+                <a:tc>
+                  <a:txBody>
+                    <a:bodyPr/>
+                    <a:lstStyle/>
+                    <a:p>
+                      <a:r>
+                        <a:rPr lang="en-US" sz="1600" dirty="0"/>
+                        <a:t>First 4 arguments into a procedure / Scratch pad / Return result(s) from a function (not preserved across call)</a:t>
+                      </a:r>
+                    </a:p>
+                  </a:txBody>
+                  <a:tcPr/>
+                </a:tc>
+                <a:tc>
+                  <a:txBody>
+                    <a:bodyPr/>
+                    <a:lstStyle/>
+                    <a:p>
+                      <a:r>
+                        <a:rPr lang="en-US" sz="1600" dirty="0"/>
+                        <a:t>Caller-saved registers - subprogram can use them as</a:t>
+                      </a:r>
+                    </a:p>
+                    <a:p>
+                      <a:r>
+                        <a:rPr lang="en-US" sz="1600" dirty="0"/>
+                        <a:t> scratch registers, but it must also save any needed values</a:t>
+                      </a:r>
+                    </a:p>
+                    <a:p>
+                      <a:r>
+                        <a:rPr lang="en-US" sz="1600" dirty="0"/>
+                        <a:t> before calling another subprogram.</a:t>
+                      </a:r>
+                    </a:p>
+                  </a:txBody>
+                  <a:tcPr/>
+                </a:tc>
+                <a:extLst>
+                  <a:ext uri="{0D108BD9-81ED-4DB2-BD59-A6C34878D82A}">
+                    <a16:rowId xmlns:a16="http://schemas.microsoft.com/office/drawing/2014/main" val="3541341079"/>
+                  </a:ext>
+                </a:extLst>
+              </a:tr>
+              <a:tr h="1492339">
+                <a:tc>
+                  <a:txBody>
+                    <a:bodyPr/>
+                    <a:lstStyle/>
+                    <a:p>
+                      <a:r>
+                        <a:rPr lang="en-US" sz="1600" dirty="0"/>
+                        <a:t>r4 - r8</a:t>
+                      </a:r>
+                    </a:p>
+                  </a:txBody>
+                  <a:tcPr/>
+                </a:tc>
+                <a:tc>
+                  <a:txBody>
+                    <a:bodyPr/>
+                    <a:lstStyle/>
+                    <a:p>
+                      <a:r>
+                        <a:rPr lang="en-US" sz="1600" dirty="0"/>
+                        <a:t>v1 - v5</a:t>
+                      </a:r>
+                    </a:p>
+                  </a:txBody>
+                  <a:tcPr/>
+                </a:tc>
+                <a:tc>
+                  <a:txBody>
+                    <a:bodyPr/>
+                    <a:lstStyle/>
+                    <a:p>
+                      <a:r>
+                        <a:rPr lang="en-US" sz="1600" dirty="0"/>
+                        <a:t>Register Variables (preserved across call</a:t>
+                      </a:r>
+                    </a:p>
+                  </a:txBody>
+                  <a:tcPr/>
+                </a:tc>
+                <a:tc>
+                  <a:txBody>
+                    <a:bodyPr/>
+                    <a:lstStyle/>
+                    <a:p>
+                      <a:r>
+                        <a:rPr lang="en-US" sz="1600" dirty="0"/>
+                        <a:t>Callee-saved registers - it can rely on an subprogram it calls not to change them (so a subprogram wishing to use these registers must save them on entry and restore them before it exits)</a:t>
+                      </a:r>
+                    </a:p>
+                  </a:txBody>
+                  <a:tcPr/>
+                </a:tc>
+                <a:extLst>
+                  <a:ext uri="{0D108BD9-81ED-4DB2-BD59-A6C34878D82A}">
+                    <a16:rowId xmlns:a16="http://schemas.microsoft.com/office/drawing/2014/main" val="711379333"/>
+                  </a:ext>
+                </a:extLst>
+              </a:tr>
+              <a:tr h="555970">
+                <a:tc>
+                  <a:txBody>
+                    <a:bodyPr/>
+                    <a:lstStyle/>
+                    <a:p>
+                      <a:r>
+                        <a:rPr lang="en-US" sz="1600" dirty="0"/>
+                        <a:t>r9 – r12</a:t>
+                      </a:r>
+                    </a:p>
+                  </a:txBody>
+                  <a:tcPr/>
+                </a:tc>
+                <a:tc>
+                  <a:txBody>
+                    <a:bodyPr/>
+                    <a:lstStyle/>
+                    <a:p>
+                      <a:r>
+                        <a:rPr lang="en-US" sz="1600" dirty="0"/>
+                        <a:t>Omitted</a:t>
+                      </a:r>
+                    </a:p>
+                  </a:txBody>
+                  <a:tcPr/>
+                </a:tc>
+                <a:tc>
+                  <a:txBody>
+                    <a:bodyPr/>
+                    <a:lstStyle/>
+                    <a:p>
+                      <a:r>
+                        <a:rPr lang="en-US" sz="1600" dirty="0"/>
+                        <a:t>Details omitted</a:t>
+                      </a:r>
+                    </a:p>
+                  </a:txBody>
+                  <a:tcPr/>
+                </a:tc>
+                <a:tc>
+                  <a:txBody>
+                    <a:bodyPr/>
+                    <a:lstStyle/>
+                    <a:p>
+                      <a:r>
+                        <a:rPr lang="en-US" sz="1600" dirty="0"/>
+                        <a:t>Details omitted</a:t>
+                      </a:r>
+                    </a:p>
+                  </a:txBody>
+                  <a:tcPr/>
+                </a:tc>
+                <a:extLst>
+                  <a:ext uri="{0D108BD9-81ED-4DB2-BD59-A6C34878D82A}">
+                    <a16:rowId xmlns:a16="http://schemas.microsoft.com/office/drawing/2014/main" val="2409102704"/>
+                  </a:ext>
+                </a:extLst>
+              </a:tr>
+              <a:tr h="555970">
+                <a:tc>
+                  <a:txBody>
+                    <a:bodyPr/>
+                    <a:lstStyle/>
+                    <a:p>
+                      <a:r>
+                        <a:rPr lang="en-US" sz="1600" dirty="0"/>
+                        <a:t>r11</a:t>
+                      </a:r>
+                    </a:p>
+                  </a:txBody>
+                  <a:tcPr/>
+                </a:tc>
+                <a:tc>
+                  <a:txBody>
+                    <a:bodyPr/>
+                    <a:lstStyle/>
+                    <a:p>
+                      <a:r>
+                        <a:rPr lang="en-US" sz="1600" dirty="0" err="1"/>
+                        <a:t>fp</a:t>
+                      </a:r>
+                      <a:endParaRPr lang="en-US" sz="1600" dirty="0"/>
+                    </a:p>
+                  </a:txBody>
+                  <a:tcPr/>
+                </a:tc>
+                <a:tc>
+                  <a:txBody>
+                    <a:bodyPr/>
+                    <a:lstStyle/>
+                    <a:p>
+                      <a:r>
+                        <a:rPr lang="en-US" sz="1600" dirty="0"/>
+                        <a:t>Frame pointer (if used) / Register Variable (preserved across call)</a:t>
+                      </a:r>
+                    </a:p>
+                  </a:txBody>
+                  <a:tcPr/>
+                </a:tc>
+                <a:tc>
+                  <a:txBody>
+                    <a:bodyPr/>
+                    <a:lstStyle/>
+                    <a:p>
+                      <a:r>
+                        <a:rPr lang="en-US" sz="1600" dirty="0"/>
+                        <a:t>Callee-saved register - pointer to bottom of call-frame</a:t>
+                      </a:r>
+                    </a:p>
+                  </a:txBody>
+                  <a:tcPr/>
+                </a:tc>
+                <a:extLst>
+                  <a:ext uri="{0D108BD9-81ED-4DB2-BD59-A6C34878D82A}">
+                    <a16:rowId xmlns:a16="http://schemas.microsoft.com/office/drawing/2014/main" val="1422358629"/>
+                  </a:ext>
+                </a:extLst>
+              </a:tr>
+              <a:tr h="555970">
+                <a:tc>
+                  <a:txBody>
+                    <a:bodyPr/>
+                    <a:lstStyle/>
+                    <a:p>
+                      <a:r>
+                        <a:rPr lang="en-US" sz="1600" dirty="0"/>
+                        <a:t>r13</a:t>
+                      </a:r>
+                    </a:p>
+                  </a:txBody>
+                  <a:tcPr/>
+                </a:tc>
+                <a:tc>
+                  <a:txBody>
+                    <a:bodyPr/>
+                    <a:lstStyle/>
+                    <a:p>
+                      <a:r>
+                        <a:rPr lang="en-US" sz="1600" dirty="0" err="1"/>
+                        <a:t>sp</a:t>
+                      </a:r>
+                      <a:endParaRPr lang="en-US" sz="1600" dirty="0"/>
+                    </a:p>
+                  </a:txBody>
+                  <a:tcPr/>
+                </a:tc>
+                <a:tc>
+                  <a:txBody>
+                    <a:bodyPr/>
+                    <a:lstStyle/>
+                    <a:p>
+                      <a:r>
+                        <a:rPr lang="en-US" sz="1600" dirty="0"/>
+                        <a:t>Stack pointer - points to the top of the stack</a:t>
+                      </a:r>
+                    </a:p>
+                  </a:txBody>
+                  <a:tcPr/>
+                </a:tc>
+                <a:tc>
+                  <a:txBody>
+                    <a:bodyPr/>
+                    <a:lstStyle/>
+                    <a:p>
+                      <a:endParaRPr lang="en-US" sz="1600" dirty="0"/>
+                    </a:p>
+                  </a:txBody>
+                  <a:tcPr/>
+                </a:tc>
+                <a:extLst>
+                  <a:ext uri="{0D108BD9-81ED-4DB2-BD59-A6C34878D82A}">
+                    <a16:rowId xmlns:a16="http://schemas.microsoft.com/office/drawing/2014/main" val="154525502"/>
+                  </a:ext>
+                </a:extLst>
+              </a:tr>
+              <a:tr h="555970">
+                <a:tc>
+                  <a:txBody>
+                    <a:bodyPr/>
+                    <a:lstStyle/>
+                    <a:p>
+                      <a:r>
+                        <a:rPr lang="en-US" sz="1600" dirty="0"/>
+                        <a:t>r14</a:t>
+                      </a:r>
+                    </a:p>
+                  </a:txBody>
+                  <a:tcPr/>
+                </a:tc>
+                <a:tc>
+                  <a:txBody>
+                    <a:bodyPr/>
+                    <a:lstStyle/>
+                    <a:p>
+                      <a:r>
+                        <a:rPr lang="en-US" sz="1600" dirty="0" err="1"/>
+                        <a:t>lr</a:t>
+                      </a:r>
+                      <a:endParaRPr lang="en-US" sz="1600" dirty="0"/>
+                    </a:p>
+                  </a:txBody>
+                  <a:tcPr/>
+                </a:tc>
+                <a:tc>
+                  <a:txBody>
+                    <a:bodyPr/>
+                    <a:lstStyle/>
+                    <a:p>
+                      <a:r>
+                        <a:rPr lang="en-US" sz="1600" dirty="0"/>
+                        <a:t>Link register - holds the return address</a:t>
+                      </a:r>
+                    </a:p>
+                  </a:txBody>
+                  <a:tcPr/>
+                </a:tc>
+                <a:tc>
+                  <a:txBody>
+                    <a:bodyPr/>
+                    <a:lstStyle/>
+                    <a:p>
+                      <a:r>
+                        <a:rPr lang="en-US" sz="1600" dirty="0"/>
+                        <a:t>Receives return address on BL call to procedure</a:t>
+                      </a:r>
+                    </a:p>
+                  </a:txBody>
+                  <a:tcPr/>
+                </a:tc>
+                <a:extLst>
+                  <a:ext uri="{0D108BD9-81ED-4DB2-BD59-A6C34878D82A}">
+                    <a16:rowId xmlns:a16="http://schemas.microsoft.com/office/drawing/2014/main" val="2584203286"/>
+                  </a:ext>
+                </a:extLst>
+              </a:tr>
+              <a:tr h="356016">
+                <a:tc>
+                  <a:txBody>
+                    <a:bodyPr/>
+                    <a:lstStyle/>
+                    <a:p>
+                      <a:r>
+                        <a:rPr lang="en-US" sz="1600" dirty="0"/>
+                        <a:t>r15</a:t>
+                      </a:r>
+                    </a:p>
+                  </a:txBody>
+                  <a:tcPr/>
+                </a:tc>
+                <a:tc>
+                  <a:txBody>
+                    <a:bodyPr/>
+                    <a:lstStyle/>
+                    <a:p>
+                      <a:r>
+                        <a:rPr lang="en-US" sz="1600" dirty="0"/>
+                        <a:t>pc</a:t>
+                      </a:r>
+                    </a:p>
+                  </a:txBody>
+                  <a:tcPr/>
+                </a:tc>
+                <a:tc>
+                  <a:txBody>
+                    <a:bodyPr/>
+                    <a:lstStyle/>
+                    <a:p>
+                      <a:r>
+                        <a:rPr lang="en-US" sz="1600" dirty="0"/>
+                        <a:t>Program counter</a:t>
+                      </a:r>
+                    </a:p>
+                  </a:txBody>
+                  <a:tcPr/>
+                </a:tc>
+                <a:tc>
+                  <a:txBody>
+                    <a:bodyPr/>
+                    <a:lstStyle/>
+                    <a:p>
+                      <a:endParaRPr lang="en-US" sz="1600" dirty="0"/>
+                    </a:p>
+                  </a:txBody>
+                  <a:tcPr/>
+                </a:tc>
+                <a:extLst>
+                  <a:ext uri="{0D108BD9-81ED-4DB2-BD59-A6C34878D82A}">
+                    <a16:rowId xmlns:a16="http://schemas.microsoft.com/office/drawing/2014/main" val="2961550724"/>
+                  </a:ext>
+                </a:extLst>
+              </a:tr>
+            </a:tbl>
+          </a:graphicData>
+        </a:graphic>
+      </p:graphicFrame>
+    </p:spTree>
+    <p:extLst>
+      <p:ext uri="{BB962C8B-B14F-4D97-AF65-F5344CB8AC3E}">
+        <p14:creationId xmlns:p14="http://schemas.microsoft.com/office/powerpoint/2010/main" val="397854206"/>
       </p:ext>
     </p:extLst>
   </p:cSld>
